--- a/Presentation.pptx
+++ b/Presentation.pptx
@@ -9,6 +9,8 @@
     <p:sldId id="257" r:id="rId3"/>
     <p:sldId id="259" r:id="rId4"/>
     <p:sldId id="260" r:id="rId5"/>
+    <p:sldId id="262" r:id="rId6"/>
+    <p:sldId id="261" r:id="rId7"/>
   </p:sldIdLst>
   <p:sldSz cx="12192000" cy="6858000"/>
   <p:notesSz cx="6858000" cy="9144000"/>
@@ -5981,8 +5983,8 @@
         </p:nvSpPr>
         <p:spPr>
           <a:xfrm>
-            <a:off x="496359" y="1500720"/>
-            <a:ext cx="8777643" cy="4540642"/>
+            <a:off x="496359" y="1159538"/>
+            <a:ext cx="8777643" cy="4881824"/>
           </a:xfrm>
         </p:spPr>
         <p:txBody>
@@ -6031,6 +6033,18 @@
               <a:buNone/>
             </a:pPr>
             <a:endParaRPr lang="en-US" dirty="0"/>
+          </a:p>
+          <a:p>
+            <a:pPr marL="0" indent="0">
+              <a:spcBef>
+                <a:spcPts val="0"/>
+              </a:spcBef>
+              <a:buNone/>
+            </a:pPr>
+            <a:r>
+              <a:rPr lang="en-US" b="1" dirty="0"/>
+              <a:t>Project Objectives:</a:t>
+            </a:r>
           </a:p>
           <a:p>
             <a:pPr marL="0" indent="0">
@@ -6643,13 +6657,28 @@
           <a:p>
             <a:r>
               <a:rPr lang="en-US" dirty="0"/>
-              <a:t>Git Bash</a:t>
-            </a:r>
-          </a:p>
-          <a:p>
+              <a:t>Merging</a:t>
+            </a:r>
+          </a:p>
+          <a:p>
+            <a:pPr lvl="1"/>
             <a:r>
               <a:rPr lang="en-US" dirty="0"/>
-              <a:t>Merging</a:t>
+              <a:t>Getting changes into my branch</a:t>
+            </a:r>
+          </a:p>
+          <a:p>
+            <a:pPr lvl="1"/>
+            <a:r>
+              <a:rPr lang="en-US" dirty="0"/>
+              <a:t>Pushing changes into master with conflicts.</a:t>
+            </a:r>
+          </a:p>
+          <a:p>
+            <a:pPr lvl="1"/>
+            <a:r>
+              <a:rPr lang="en-US" dirty="0"/>
+              <a:t>Updating the config files for every pull (hibernate, pom, context, etc.)</a:t>
             </a:r>
           </a:p>
           <a:p>
@@ -6659,14 +6688,49 @@
             </a:r>
           </a:p>
           <a:p>
+            <a:pPr lvl="1"/>
             <a:r>
               <a:rPr lang="en-US" dirty="0"/>
-              <a:t>Schedules – work, remote</a:t>
-            </a:r>
-            <a:r>
-              <a:rPr lang="en-US"/>
-              <a:t>, etc.</a:t>
-            </a:r>
+              <a:t>Always keeping updated on what has been completed and next steps</a:t>
+            </a:r>
+          </a:p>
+          <a:p>
+            <a:pPr lvl="1"/>
+            <a:r>
+              <a:rPr lang="en-US" dirty="0"/>
+              <a:t>Explaining concept of the project and all objectives.</a:t>
+            </a:r>
+          </a:p>
+          <a:p>
+            <a:r>
+              <a:rPr lang="en-US" dirty="0"/>
+              <a:t>Meeting In Person</a:t>
+            </a:r>
+          </a:p>
+          <a:p>
+            <a:pPr lvl="1"/>
+            <a:r>
+              <a:rPr lang="en-US" dirty="0"/>
+              <a:t>Schedules – work &amp; other classes</a:t>
+            </a:r>
+          </a:p>
+          <a:p>
+            <a:pPr lvl="1"/>
+            <a:r>
+              <a:rPr lang="en-US" dirty="0"/>
+              <a:t>Difficult to meet in person for more remote team members</a:t>
+            </a:r>
+          </a:p>
+          <a:p>
+            <a:endParaRPr lang="en-US" dirty="0"/>
+          </a:p>
+          <a:p>
+            <a:pPr lvl="1"/>
+            <a:endParaRPr lang="en-US" dirty="0"/>
+          </a:p>
+          <a:p>
+            <a:pPr lvl="1"/>
+            <a:endParaRPr lang="en-US" dirty="0"/>
           </a:p>
         </p:txBody>
       </p:sp>
@@ -6674,6 +6738,166 @@
     <p:extLst>
       <p:ext uri="{BB962C8B-B14F-4D97-AF65-F5344CB8AC3E}">
         <p14:creationId xmlns:p14="http://schemas.microsoft.com/office/powerpoint/2010/main" val="2418966368"/>
+      </p:ext>
+    </p:extLst>
+  </p:cSld>
+  <p:clrMapOvr>
+    <a:masterClrMapping/>
+  </p:clrMapOvr>
+</p:sld>
+</file>
+
+<file path=ppt/slides/slide5.xml><?xml version="1.0" encoding="utf-8"?>
+<p:sld xmlns:a="http://schemas.openxmlformats.org/drawingml/2006/main" xmlns:r="http://schemas.openxmlformats.org/officeDocument/2006/relationships" xmlns:p="http://schemas.openxmlformats.org/presentationml/2006/main">
+  <p:cSld>
+    <p:spTree>
+      <p:nvGrpSpPr>
+        <p:cNvPr id="1" name=""/>
+        <p:cNvGrpSpPr/>
+        <p:nvPr/>
+      </p:nvGrpSpPr>
+      <p:grpSpPr>
+        <a:xfrm>
+          <a:off x="0" y="0"/>
+          <a:ext cx="0" cy="0"/>
+          <a:chOff x="0" y="0"/>
+          <a:chExt cx="0" cy="0"/>
+        </a:xfrm>
+      </p:grpSpPr>
+      <p:sp>
+        <p:nvSpPr>
+          <p:cNvPr id="2" name="Title 1">
+            <a:extLst>
+              <a:ext uri="{FF2B5EF4-FFF2-40B4-BE49-F238E27FC236}">
+                <a16:creationId xmlns:a16="http://schemas.microsoft.com/office/drawing/2014/main" id="{AE931015-3FD5-46AE-B9B4-CC5BEA76610C}"/>
+              </a:ext>
+            </a:extLst>
+          </p:cNvPr>
+          <p:cNvSpPr>
+            <a:spLocks noGrp="1"/>
+          </p:cNvSpPr>
+          <p:nvPr>
+            <p:ph type="title"/>
+          </p:nvPr>
+        </p:nvSpPr>
+        <p:spPr/>
+        <p:txBody>
+          <a:bodyPr/>
+          <a:lstStyle/>
+          <a:p>
+            <a:r>
+              <a:rPr lang="en-US" dirty="0"/>
+              <a:t>Advantages</a:t>
+            </a:r>
+          </a:p>
+        </p:txBody>
+      </p:sp>
+      <p:sp>
+        <p:nvSpPr>
+          <p:cNvPr id="3" name="Content Placeholder 2">
+            <a:extLst>
+              <a:ext uri="{FF2B5EF4-FFF2-40B4-BE49-F238E27FC236}">
+                <a16:creationId xmlns:a16="http://schemas.microsoft.com/office/drawing/2014/main" id="{7566ED39-2A61-4954-9720-557EA611A18F}"/>
+              </a:ext>
+            </a:extLst>
+          </p:cNvPr>
+          <p:cNvSpPr>
+            <a:spLocks noGrp="1"/>
+          </p:cNvSpPr>
+          <p:nvPr>
+            <p:ph idx="1"/>
+          </p:nvPr>
+        </p:nvSpPr>
+        <p:spPr/>
+        <p:txBody>
+          <a:bodyPr/>
+          <a:lstStyle/>
+          <a:p>
+            <a:r>
+              <a:rPr lang="en-US" dirty="0"/>
+              <a:t>Learn faster through collaboration</a:t>
+            </a:r>
+          </a:p>
+          <a:p>
+            <a:r>
+              <a:rPr lang="en-US" dirty="0"/>
+              <a:t>Team members have different strengths and can teach others.</a:t>
+            </a:r>
+          </a:p>
+          <a:p>
+            <a:r>
+              <a:rPr lang="en-US" dirty="0"/>
+              <a:t>Well thought-out project with more developers adding input instead </a:t>
+            </a:r>
+            <a:r>
+              <a:rPr lang="en-US"/>
+              <a:t>of just one.</a:t>
+            </a:r>
+          </a:p>
+        </p:txBody>
+      </p:sp>
+    </p:spTree>
+    <p:extLst>
+      <p:ext uri="{BB962C8B-B14F-4D97-AF65-F5344CB8AC3E}">
+        <p14:creationId xmlns:p14="http://schemas.microsoft.com/office/powerpoint/2010/main" val="3548734447"/>
+      </p:ext>
+    </p:extLst>
+  </p:cSld>
+  <p:clrMapOvr>
+    <a:masterClrMapping/>
+  </p:clrMapOvr>
+</p:sld>
+</file>
+
+<file path=ppt/slides/slide6.xml><?xml version="1.0" encoding="utf-8"?>
+<p:sld xmlns:a="http://schemas.openxmlformats.org/drawingml/2006/main" xmlns:r="http://schemas.openxmlformats.org/officeDocument/2006/relationships" xmlns:p="http://schemas.openxmlformats.org/presentationml/2006/main">
+  <p:cSld>
+    <p:spTree>
+      <p:nvGrpSpPr>
+        <p:cNvPr id="1" name=""/>
+        <p:cNvGrpSpPr/>
+        <p:nvPr/>
+      </p:nvGrpSpPr>
+      <p:grpSpPr>
+        <a:xfrm>
+          <a:off x="0" y="0"/>
+          <a:ext cx="0" cy="0"/>
+          <a:chOff x="0" y="0"/>
+          <a:chExt cx="0" cy="0"/>
+        </a:xfrm>
+      </p:grpSpPr>
+      <p:sp>
+        <p:nvSpPr>
+          <p:cNvPr id="2" name="Title 1">
+            <a:extLst>
+              <a:ext uri="{FF2B5EF4-FFF2-40B4-BE49-F238E27FC236}">
+                <a16:creationId xmlns:a16="http://schemas.microsoft.com/office/drawing/2014/main" id="{7355D2AD-0BAA-4440-889A-936E0416FDD5}"/>
+              </a:ext>
+            </a:extLst>
+          </p:cNvPr>
+          <p:cNvSpPr>
+            <a:spLocks noGrp="1"/>
+          </p:cNvSpPr>
+          <p:nvPr>
+            <p:ph type="title"/>
+          </p:nvPr>
+        </p:nvSpPr>
+        <p:spPr/>
+        <p:txBody>
+          <a:bodyPr/>
+          <a:lstStyle/>
+          <a:p>
+            <a:r>
+              <a:rPr lang="en-US" dirty="0"/>
+              <a:t>Questions?</a:t>
+            </a:r>
+          </a:p>
+        </p:txBody>
+      </p:sp>
+    </p:spTree>
+    <p:extLst>
+      <p:ext uri="{BB962C8B-B14F-4D97-AF65-F5344CB8AC3E}">
+        <p14:creationId xmlns:p14="http://schemas.microsoft.com/office/powerpoint/2010/main" val="2058790658"/>
       </p:ext>
     </p:extLst>
   </p:cSld>
